--- a/Eureka.pptx
+++ b/Eureka.pptx
@@ -105,6 +105,11 @@
       </a:defRPr>
     </a:lvl9pPr>
   </p:defaultTextStyle>
+  <p:extLst>
+    <p:ext uri="{EFAFB233-063F-42B5-8137-9DF3F51BA10A}">
+      <p15:sldGuideLst xmlns:p15="http://schemas.microsoft.com/office/powerpoint/2012/main"/>
+    </p:ext>
+  </p:extLst>
 </p:presentation>
 </file>
 
@@ -255,7 +260,7 @@
           <a:p>
             <a:fld id="{9712CE3A-2E57-4E04-9522-4AF917BA794E}" type="datetimeFigureOut">
               <a:rPr lang="zh-CN" altLang="en-US" smtClean="0"/>
-              <a:t>2018/10/16</a:t>
+              <a:t>2018/10/17</a:t>
             </a:fld>
             <a:endParaRPr lang="zh-CN" altLang="en-US"/>
           </a:p>
@@ -453,7 +458,7 @@
           <a:p>
             <a:fld id="{9712CE3A-2E57-4E04-9522-4AF917BA794E}" type="datetimeFigureOut">
               <a:rPr lang="zh-CN" altLang="en-US" smtClean="0"/>
-              <a:t>2018/10/16</a:t>
+              <a:t>2018/10/17</a:t>
             </a:fld>
             <a:endParaRPr lang="zh-CN" altLang="en-US"/>
           </a:p>
@@ -661,7 +666,7 @@
           <a:p>
             <a:fld id="{9712CE3A-2E57-4E04-9522-4AF917BA794E}" type="datetimeFigureOut">
               <a:rPr lang="zh-CN" altLang="en-US" smtClean="0"/>
-              <a:t>2018/10/16</a:t>
+              <a:t>2018/10/17</a:t>
             </a:fld>
             <a:endParaRPr lang="zh-CN" altLang="en-US"/>
           </a:p>
@@ -859,7 +864,7 @@
           <a:p>
             <a:fld id="{9712CE3A-2E57-4E04-9522-4AF917BA794E}" type="datetimeFigureOut">
               <a:rPr lang="zh-CN" altLang="en-US" smtClean="0"/>
-              <a:t>2018/10/16</a:t>
+              <a:t>2018/10/17</a:t>
             </a:fld>
             <a:endParaRPr lang="zh-CN" altLang="en-US"/>
           </a:p>
@@ -1134,7 +1139,7 @@
           <a:p>
             <a:fld id="{9712CE3A-2E57-4E04-9522-4AF917BA794E}" type="datetimeFigureOut">
               <a:rPr lang="zh-CN" altLang="en-US" smtClean="0"/>
-              <a:t>2018/10/16</a:t>
+              <a:t>2018/10/17</a:t>
             </a:fld>
             <a:endParaRPr lang="zh-CN" altLang="en-US"/>
           </a:p>
@@ -1399,7 +1404,7 @@
           <a:p>
             <a:fld id="{9712CE3A-2E57-4E04-9522-4AF917BA794E}" type="datetimeFigureOut">
               <a:rPr lang="zh-CN" altLang="en-US" smtClean="0"/>
-              <a:t>2018/10/16</a:t>
+              <a:t>2018/10/17</a:t>
             </a:fld>
             <a:endParaRPr lang="zh-CN" altLang="en-US"/>
           </a:p>
@@ -1811,7 +1816,7 @@
           <a:p>
             <a:fld id="{9712CE3A-2E57-4E04-9522-4AF917BA794E}" type="datetimeFigureOut">
               <a:rPr lang="zh-CN" altLang="en-US" smtClean="0"/>
-              <a:t>2018/10/16</a:t>
+              <a:t>2018/10/17</a:t>
             </a:fld>
             <a:endParaRPr lang="zh-CN" altLang="en-US"/>
           </a:p>
@@ -1952,7 +1957,7 @@
           <a:p>
             <a:fld id="{9712CE3A-2E57-4E04-9522-4AF917BA794E}" type="datetimeFigureOut">
               <a:rPr lang="zh-CN" altLang="en-US" smtClean="0"/>
-              <a:t>2018/10/16</a:t>
+              <a:t>2018/10/17</a:t>
             </a:fld>
             <a:endParaRPr lang="zh-CN" altLang="en-US"/>
           </a:p>
@@ -2065,7 +2070,7 @@
           <a:p>
             <a:fld id="{9712CE3A-2E57-4E04-9522-4AF917BA794E}" type="datetimeFigureOut">
               <a:rPr lang="zh-CN" altLang="en-US" smtClean="0"/>
-              <a:t>2018/10/16</a:t>
+              <a:t>2018/10/17</a:t>
             </a:fld>
             <a:endParaRPr lang="zh-CN" altLang="en-US"/>
           </a:p>
@@ -2376,7 +2381,7 @@
           <a:p>
             <a:fld id="{9712CE3A-2E57-4E04-9522-4AF917BA794E}" type="datetimeFigureOut">
               <a:rPr lang="zh-CN" altLang="en-US" smtClean="0"/>
-              <a:t>2018/10/16</a:t>
+              <a:t>2018/10/17</a:t>
             </a:fld>
             <a:endParaRPr lang="zh-CN" altLang="en-US"/>
           </a:p>
@@ -2664,7 +2669,7 @@
           <a:p>
             <a:fld id="{9712CE3A-2E57-4E04-9522-4AF917BA794E}" type="datetimeFigureOut">
               <a:rPr lang="zh-CN" altLang="en-US" smtClean="0"/>
-              <a:t>2018/10/16</a:t>
+              <a:t>2018/10/17</a:t>
             </a:fld>
             <a:endParaRPr lang="zh-CN" altLang="en-US"/>
           </a:p>
@@ -2905,7 +2910,7 @@
           <a:p>
             <a:fld id="{9712CE3A-2E57-4E04-9522-4AF917BA794E}" type="datetimeFigureOut">
               <a:rPr lang="zh-CN" altLang="en-US" smtClean="0"/>
-              <a:t>2018/10/16</a:t>
+              <a:t>2018/10/17</a:t>
             </a:fld>
             <a:endParaRPr lang="zh-CN" altLang="en-US"/>
           </a:p>
@@ -4490,7 +4495,7 @@
         </p:nvSpPr>
         <p:spPr>
           <a:xfrm>
-            <a:off x="5992238" y="5728331"/>
+            <a:off x="5956727" y="5763842"/>
             <a:ext cx="1938747" cy="369332"/>
           </a:xfrm>
           <a:prstGeom prst="rect">
@@ -4760,6 +4765,41 @@
           </a:fontRef>
         </p:style>
       </p:cxnSp>
+      <p:sp>
+        <p:nvSpPr>
+          <p:cNvPr id="31" name="文本框 30">
+            <a:extLst>
+              <a:ext uri="{FF2B5EF4-FFF2-40B4-BE49-F238E27FC236}">
+                <a16:creationId xmlns:a16="http://schemas.microsoft.com/office/drawing/2014/main" id="{CDB27BE0-9486-4B27-88A8-DB5961F17CFE}"/>
+              </a:ext>
+            </a:extLst>
+          </p:cNvPr>
+          <p:cNvSpPr txBox="1"/>
+          <p:nvPr/>
+        </p:nvSpPr>
+        <p:spPr>
+          <a:xfrm>
+            <a:off x="5956726" y="5241355"/>
+            <a:ext cx="1938747" cy="369332"/>
+          </a:xfrm>
+          <a:prstGeom prst="rect">
+            <a:avLst/>
+          </a:prstGeom>
+          <a:noFill/>
+        </p:spPr>
+        <p:txBody>
+          <a:bodyPr wrap="square" rtlCol="0">
+            <a:spAutoFit/>
+          </a:bodyPr>
+          <a:lstStyle/>
+          <a:p>
+            <a:r>
+              <a:rPr lang="zh-CN" altLang="en-US" dirty="0"/>
+              <a:t>负载均衡</a:t>
+            </a:r>
+          </a:p>
+        </p:txBody>
+      </p:sp>
     </p:spTree>
     <p:extLst>
       <p:ext uri="{BB962C8B-B14F-4D97-AF65-F5344CB8AC3E}">
